--- a/docs/tracking_journal/fig/hybrid_controller.pptx
+++ b/docs/tracking_journal/fig/hybrid_controller.pptx
@@ -243,7 +243,7 @@
           <a:p>
             <a:fld id="{C48BF103-B019-4C03-B7DF-16D4A730CE6A}" type="datetimeFigureOut">
               <a:rPr lang="en-US" smtClean="0"/>
-              <a:t>3/15/17</a:t>
+              <a:t>6/14/18</a:t>
             </a:fld>
             <a:endParaRPr lang="en-US"/>
           </a:p>
@@ -413,7 +413,7 @@
           <a:p>
             <a:fld id="{C48BF103-B019-4C03-B7DF-16D4A730CE6A}" type="datetimeFigureOut">
               <a:rPr lang="en-US" smtClean="0"/>
-              <a:t>3/15/17</a:t>
+              <a:t>6/14/18</a:t>
             </a:fld>
             <a:endParaRPr lang="en-US"/>
           </a:p>
@@ -593,7 +593,7 @@
           <a:p>
             <a:fld id="{C48BF103-B019-4C03-B7DF-16D4A730CE6A}" type="datetimeFigureOut">
               <a:rPr lang="en-US" smtClean="0"/>
-              <a:t>3/15/17</a:t>
+              <a:t>6/14/18</a:t>
             </a:fld>
             <a:endParaRPr lang="en-US"/>
           </a:p>
@@ -763,7 +763,7 @@
           <a:p>
             <a:fld id="{C48BF103-B019-4C03-B7DF-16D4A730CE6A}" type="datetimeFigureOut">
               <a:rPr lang="en-US" smtClean="0"/>
-              <a:t>3/15/17</a:t>
+              <a:t>6/14/18</a:t>
             </a:fld>
             <a:endParaRPr lang="en-US"/>
           </a:p>
@@ -1009,7 +1009,7 @@
           <a:p>
             <a:fld id="{C48BF103-B019-4C03-B7DF-16D4A730CE6A}" type="datetimeFigureOut">
               <a:rPr lang="en-US" smtClean="0"/>
-              <a:t>3/15/17</a:t>
+              <a:t>6/14/18</a:t>
             </a:fld>
             <a:endParaRPr lang="en-US"/>
           </a:p>
@@ -1241,7 +1241,7 @@
           <a:p>
             <a:fld id="{C48BF103-B019-4C03-B7DF-16D4A730CE6A}" type="datetimeFigureOut">
               <a:rPr lang="en-US" smtClean="0"/>
-              <a:t>3/15/17</a:t>
+              <a:t>6/14/18</a:t>
             </a:fld>
             <a:endParaRPr lang="en-US"/>
           </a:p>
@@ -1608,7 +1608,7 @@
           <a:p>
             <a:fld id="{C48BF103-B019-4C03-B7DF-16D4A730CE6A}" type="datetimeFigureOut">
               <a:rPr lang="en-US" smtClean="0"/>
-              <a:t>3/15/17</a:t>
+              <a:t>6/14/18</a:t>
             </a:fld>
             <a:endParaRPr lang="en-US"/>
           </a:p>
@@ -1726,7 +1726,7 @@
           <a:p>
             <a:fld id="{C48BF103-B019-4C03-B7DF-16D4A730CE6A}" type="datetimeFigureOut">
               <a:rPr lang="en-US" smtClean="0"/>
-              <a:t>3/15/17</a:t>
+              <a:t>6/14/18</a:t>
             </a:fld>
             <a:endParaRPr lang="en-US"/>
           </a:p>
@@ -1821,7 +1821,7 @@
           <a:p>
             <a:fld id="{C48BF103-B019-4C03-B7DF-16D4A730CE6A}" type="datetimeFigureOut">
               <a:rPr lang="en-US" smtClean="0"/>
-              <a:t>3/15/17</a:t>
+              <a:t>6/14/18</a:t>
             </a:fld>
             <a:endParaRPr lang="en-US"/>
           </a:p>
@@ -2098,7 +2098,7 @@
           <a:p>
             <a:fld id="{C48BF103-B019-4C03-B7DF-16D4A730CE6A}" type="datetimeFigureOut">
               <a:rPr lang="en-US" smtClean="0"/>
-              <a:t>3/15/17</a:t>
+              <a:t>6/14/18</a:t>
             </a:fld>
             <a:endParaRPr lang="en-US"/>
           </a:p>
@@ -2355,7 +2355,7 @@
           <a:p>
             <a:fld id="{C48BF103-B019-4C03-B7DF-16D4A730CE6A}" type="datetimeFigureOut">
               <a:rPr lang="en-US" smtClean="0"/>
-              <a:t>3/15/17</a:t>
+              <a:t>6/14/18</a:t>
             </a:fld>
             <a:endParaRPr lang="en-US"/>
           </a:p>
@@ -2568,7 +2568,7 @@
           <a:p>
             <a:fld id="{C48BF103-B019-4C03-B7DF-16D4A730CE6A}" type="datetimeFigureOut">
               <a:rPr lang="en-US" smtClean="0"/>
-              <a:t>3/15/17</a:t>
+              <a:t>6/14/18</a:t>
             </a:fld>
             <a:endParaRPr lang="en-US"/>
           </a:p>
@@ -2975,16 +2975,22 @@
       </p:grpSpPr>
       <p:grpSp>
         <p:nvGrpSpPr>
-          <p:cNvPr id="137" name="Group 136"/>
+          <p:cNvPr id="5" name="Group 4">
+            <a:extLst>
+              <a:ext uri="{FF2B5EF4-FFF2-40B4-BE49-F238E27FC236}">
+                <a16:creationId xmlns:a16="http://schemas.microsoft.com/office/drawing/2014/main" id="{0FD9BD66-F20C-4D42-BEA1-C0A7DA9D220F}"/>
+              </a:ext>
+            </a:extLst>
+          </p:cNvPr>
           <p:cNvGrpSpPr/>
           <p:nvPr/>
         </p:nvGrpSpPr>
         <p:grpSpPr>
           <a:xfrm>
             <a:off x="64451" y="38101"/>
-            <a:ext cx="8004263" cy="3130549"/>
-            <a:chOff x="568883" y="323850"/>
-            <a:chExt cx="8004263" cy="3130549"/>
+            <a:ext cx="8883589" cy="3130549"/>
+            <a:chOff x="64451" y="38101"/>
+            <a:chExt cx="8883589" cy="3130549"/>
           </a:xfrm>
         </p:grpSpPr>
         <p:sp>
@@ -2995,8 +3001,8 @@
           </p:nvSpPr>
           <p:spPr>
             <a:xfrm>
-              <a:off x="1790700" y="323850"/>
-              <a:ext cx="5904705" cy="3130549"/>
+              <a:off x="1286267" y="38101"/>
+              <a:ext cx="6851257" cy="3130549"/>
             </a:xfrm>
             <a:prstGeom prst="roundRect">
               <a:avLst/>
@@ -3033,8 +3039,8 @@
           </p:nvSpPr>
           <p:spPr>
             <a:xfrm>
-              <a:off x="5714313" y="1771651"/>
-              <a:ext cx="1849349" cy="1536700"/>
+              <a:off x="5209881" y="1485902"/>
+              <a:ext cx="2719590" cy="1536700"/>
             </a:xfrm>
             <a:prstGeom prst="roundRect">
               <a:avLst/>
@@ -3071,8 +3077,8 @@
           </p:nvSpPr>
           <p:spPr>
             <a:xfrm>
-              <a:off x="5714313" y="711201"/>
-              <a:ext cx="1849349" cy="900724"/>
+              <a:off x="5209881" y="425452"/>
+              <a:ext cx="2719590" cy="900724"/>
             </a:xfrm>
             <a:prstGeom prst="roundRect">
               <a:avLst/>
@@ -3112,8 +3118,8 @@
           </p:nvSpPr>
           <p:spPr>
             <a:xfrm>
-              <a:off x="5816880" y="1861602"/>
-              <a:ext cx="1726691" cy="369332"/>
+              <a:off x="5312448" y="1575853"/>
+              <a:ext cx="2508491" cy="646331"/>
             </a:xfrm>
             <a:prstGeom prst="rect">
               <a:avLst/>
@@ -3121,14 +3127,15 @@
             <a:noFill/>
           </p:spPr>
           <p:txBody>
-            <a:bodyPr wrap="none" rtlCol="0">
+            <a:bodyPr wrap="square" rtlCol="0">
               <a:spAutoFit/>
             </a:bodyPr>
             <a:lstStyle/>
             <a:p>
+              <a:pPr algn="ctr"/>
               <a:r>
                 <a:rPr lang="en-US" dirty="0"/>
-                <a:t>Safety controller</a:t>
+                <a:t>Optimal tracking controller</a:t>
               </a:r>
             </a:p>
           </p:txBody>
@@ -3141,7 +3148,7 @@
           </p:nvSpPr>
           <p:spPr>
             <a:xfrm>
-              <a:off x="2060895" y="382171"/>
+              <a:off x="1556463" y="96422"/>
               <a:ext cx="3327706" cy="461665"/>
             </a:xfrm>
             <a:prstGeom prst="rect">
@@ -3172,7 +3179,7 @@
           </p:nvSpPr>
           <p:spPr>
             <a:xfrm>
-              <a:off x="3640890" y="1192127"/>
+              <a:off x="3136458" y="906378"/>
               <a:ext cx="1887968" cy="646331"/>
             </a:xfrm>
             <a:prstGeom prst="rect">
@@ -3202,7 +3209,7 @@
           </p:nvSpPr>
           <p:spPr>
             <a:xfrm>
-              <a:off x="3740922" y="1934722"/>
+              <a:off x="3236490" y="1648973"/>
               <a:ext cx="1624405" cy="646331"/>
             </a:xfrm>
             <a:prstGeom prst="rect">
@@ -3234,7 +3241,7 @@
           </p:nvCxnSpPr>
           <p:spPr>
             <a:xfrm>
-              <a:off x="670663" y="2262862"/>
+              <a:off x="166231" y="1977113"/>
               <a:ext cx="1120037" cy="0"/>
             </a:xfrm>
             <a:prstGeom prst="straightConnector1">
@@ -3267,7 +3274,7 @@
           </p:nvSpPr>
           <p:spPr>
             <a:xfrm>
-              <a:off x="670245" y="2257887"/>
+              <a:off x="165813" y="1972138"/>
               <a:ext cx="662938" cy="369332"/>
             </a:xfrm>
             <a:prstGeom prst="rect">
@@ -3298,7 +3305,7 @@
           </p:nvCxnSpPr>
           <p:spPr>
             <a:xfrm>
-              <a:off x="670663" y="1832299"/>
+              <a:off x="166231" y="1546550"/>
               <a:ext cx="1120037" cy="0"/>
             </a:xfrm>
             <a:prstGeom prst="straightConnector1">
@@ -3331,7 +3338,7 @@
           </p:nvSpPr>
           <p:spPr>
             <a:xfrm>
-              <a:off x="568883" y="935335"/>
+              <a:off x="64451" y="649586"/>
               <a:ext cx="1387851" cy="923330"/>
             </a:xfrm>
             <a:prstGeom prst="rect">
@@ -3347,11 +3354,7 @@
             <a:p>
               <a:r>
                 <a:rPr lang="en-US"/>
-                <a:t>Desired </a:t>
-              </a:r>
-              <a:r>
-                <a:rPr lang="en-US" smtClean="0"/>
-                <a:t>planning state</a:t>
+                <a:t>Desired planning state</a:t>
               </a:r>
               <a:endParaRPr lang="en-US" dirty="0"/>
             </a:p>
@@ -3365,8 +3368,8 @@
           </p:nvSpPr>
           <p:spPr>
             <a:xfrm>
-              <a:off x="5872157" y="2248647"/>
-              <a:ext cx="1584730" cy="918812"/>
+              <a:off x="5367724" y="2286994"/>
+              <a:ext cx="2453215" cy="594715"/>
             </a:xfrm>
             <a:prstGeom prst="roundRect">
               <a:avLst/>
@@ -3393,7 +3396,7 @@
               <a:pPr algn="ctr"/>
               <a:r>
                 <a:rPr lang="en-US" dirty="0"/>
-                <a:t>Safety controller look-up table</a:t>
+                <a:t>Optimal tracking controller look-up table</a:t>
               </a:r>
             </a:p>
           </p:txBody>
@@ -3406,7 +3409,7 @@
           </p:nvSpPr>
           <p:spPr>
             <a:xfrm>
-              <a:off x="1976825" y="1397000"/>
+              <a:off x="1472393" y="1111251"/>
               <a:ext cx="1584730" cy="914401"/>
             </a:xfrm>
             <a:prstGeom prst="roundRect">
@@ -3451,7 +3454,7 @@
           </p:nvCxnSpPr>
           <p:spPr>
             <a:xfrm rot="16200000" flipH="1">
-              <a:off x="4127451" y="953139"/>
+              <a:off x="3623019" y="667390"/>
               <a:ext cx="228600" cy="2945123"/>
             </a:xfrm>
             <a:prstGeom prst="bentConnector2">
@@ -3488,7 +3491,7 @@
           </p:nvCxnSpPr>
           <p:spPr>
             <a:xfrm rot="5400000" flipH="1" flipV="1">
-              <a:off x="4124033" y="-193279"/>
+              <a:off x="3619601" y="-479028"/>
               <a:ext cx="235437" cy="2945123"/>
             </a:xfrm>
             <a:prstGeom prst="bentConnector2">
@@ -3518,14 +3521,13 @@
             <p:cNvPr id="153" name="Straight Arrow Connector 152"/>
             <p:cNvCxnSpPr>
               <a:cxnSpLocks/>
-              <a:stCxn id="138" idx="3"/>
             </p:cNvCxnSpPr>
             <p:nvPr/>
           </p:nvCxnSpPr>
           <p:spPr>
-            <a:xfrm flipV="1">
-              <a:off x="7695405" y="1889124"/>
-              <a:ext cx="635795" cy="1"/>
+            <a:xfrm>
+              <a:off x="8131742" y="1705277"/>
+              <a:ext cx="354814" cy="0"/>
             </a:xfrm>
             <a:prstGeom prst="straightConnector1">
               <a:avLst/>
@@ -3557,7 +3559,7 @@
           </p:nvSpPr>
           <p:spPr>
             <a:xfrm>
-              <a:off x="7695405" y="1519792"/>
+              <a:off x="8070299" y="1341207"/>
               <a:ext cx="877741" cy="369332"/>
             </a:xfrm>
             <a:prstGeom prst="rect">
